--- a/보고서/회로.pptx
+++ b/보고서/회로.pptx
@@ -244,7 +244,7 @@
           <a:p>
             <a:fld id="{8B36985F-A31D-40D0-BDAB-BD1322AE936A}" type="datetimeFigureOut">
               <a:rPr lang="ko-KR" altLang="en-US" smtClean="0"/>
-              <a:t>2016-12-06</a:t>
+              <a:t>2016-12-08</a:t>
             </a:fld>
             <a:endParaRPr lang="ko-KR" altLang="en-US"/>
           </a:p>
@@ -414,7 +414,7 @@
           <a:p>
             <a:fld id="{8B36985F-A31D-40D0-BDAB-BD1322AE936A}" type="datetimeFigureOut">
               <a:rPr lang="ko-KR" altLang="en-US" smtClean="0"/>
-              <a:t>2016-12-06</a:t>
+              <a:t>2016-12-08</a:t>
             </a:fld>
             <a:endParaRPr lang="ko-KR" altLang="en-US"/>
           </a:p>
@@ -594,7 +594,7 @@
           <a:p>
             <a:fld id="{8B36985F-A31D-40D0-BDAB-BD1322AE936A}" type="datetimeFigureOut">
               <a:rPr lang="ko-KR" altLang="en-US" smtClean="0"/>
-              <a:t>2016-12-06</a:t>
+              <a:t>2016-12-08</a:t>
             </a:fld>
             <a:endParaRPr lang="ko-KR" altLang="en-US"/>
           </a:p>
@@ -764,7 +764,7 @@
           <a:p>
             <a:fld id="{8B36985F-A31D-40D0-BDAB-BD1322AE936A}" type="datetimeFigureOut">
               <a:rPr lang="ko-KR" altLang="en-US" smtClean="0"/>
-              <a:t>2016-12-06</a:t>
+              <a:t>2016-12-08</a:t>
             </a:fld>
             <a:endParaRPr lang="ko-KR" altLang="en-US"/>
           </a:p>
@@ -1010,7 +1010,7 @@
           <a:p>
             <a:fld id="{8B36985F-A31D-40D0-BDAB-BD1322AE936A}" type="datetimeFigureOut">
               <a:rPr lang="ko-KR" altLang="en-US" smtClean="0"/>
-              <a:t>2016-12-06</a:t>
+              <a:t>2016-12-08</a:t>
             </a:fld>
             <a:endParaRPr lang="ko-KR" altLang="en-US"/>
           </a:p>
@@ -1242,7 +1242,7 @@
           <a:p>
             <a:fld id="{8B36985F-A31D-40D0-BDAB-BD1322AE936A}" type="datetimeFigureOut">
               <a:rPr lang="ko-KR" altLang="en-US" smtClean="0"/>
-              <a:t>2016-12-06</a:t>
+              <a:t>2016-12-08</a:t>
             </a:fld>
             <a:endParaRPr lang="ko-KR" altLang="en-US"/>
           </a:p>
@@ -1609,7 +1609,7 @@
           <a:p>
             <a:fld id="{8B36985F-A31D-40D0-BDAB-BD1322AE936A}" type="datetimeFigureOut">
               <a:rPr lang="ko-KR" altLang="en-US" smtClean="0"/>
-              <a:t>2016-12-06</a:t>
+              <a:t>2016-12-08</a:t>
             </a:fld>
             <a:endParaRPr lang="ko-KR" altLang="en-US"/>
           </a:p>
@@ -1727,7 +1727,7 @@
           <a:p>
             <a:fld id="{8B36985F-A31D-40D0-BDAB-BD1322AE936A}" type="datetimeFigureOut">
               <a:rPr lang="ko-KR" altLang="en-US" smtClean="0"/>
-              <a:t>2016-12-06</a:t>
+              <a:t>2016-12-08</a:t>
             </a:fld>
             <a:endParaRPr lang="ko-KR" altLang="en-US"/>
           </a:p>
@@ -1822,7 +1822,7 @@
           <a:p>
             <a:fld id="{8B36985F-A31D-40D0-BDAB-BD1322AE936A}" type="datetimeFigureOut">
               <a:rPr lang="ko-KR" altLang="en-US" smtClean="0"/>
-              <a:t>2016-12-06</a:t>
+              <a:t>2016-12-08</a:t>
             </a:fld>
             <a:endParaRPr lang="ko-KR" altLang="en-US"/>
           </a:p>
@@ -2099,7 +2099,7 @@
           <a:p>
             <a:fld id="{8B36985F-A31D-40D0-BDAB-BD1322AE936A}" type="datetimeFigureOut">
               <a:rPr lang="ko-KR" altLang="en-US" smtClean="0"/>
-              <a:t>2016-12-06</a:t>
+              <a:t>2016-12-08</a:t>
             </a:fld>
             <a:endParaRPr lang="ko-KR" altLang="en-US"/>
           </a:p>
@@ -2352,7 +2352,7 @@
           <a:p>
             <a:fld id="{8B36985F-A31D-40D0-BDAB-BD1322AE936A}" type="datetimeFigureOut">
               <a:rPr lang="ko-KR" altLang="en-US" smtClean="0"/>
-              <a:t>2016-12-06</a:t>
+              <a:t>2016-12-08</a:t>
             </a:fld>
             <a:endParaRPr lang="ko-KR" altLang="en-US"/>
           </a:p>
@@ -2565,7 +2565,7 @@
           <a:p>
             <a:fld id="{8B36985F-A31D-40D0-BDAB-BD1322AE936A}" type="datetimeFigureOut">
               <a:rPr lang="ko-KR" altLang="en-US" smtClean="0"/>
-              <a:t>2016-12-06</a:t>
+              <a:t>2016-12-08</a:t>
             </a:fld>
             <a:endParaRPr lang="ko-KR" altLang="en-US"/>
           </a:p>
@@ -3629,16 +3629,207 @@
           </a:p>
         </p:txBody>
       </p:sp>
+      <p:sp>
+        <p:nvSpPr>
+          <p:cNvPr id="12" name="TextBox 11"/>
+          <p:cNvSpPr txBox="1"/>
+          <p:nvPr/>
+        </p:nvSpPr>
+        <p:spPr>
+          <a:xfrm>
+            <a:off x="8462399" y="3434042"/>
+            <a:ext cx="3586167" cy="3139321"/>
+          </a:xfrm>
+          <a:prstGeom prst="rect">
+            <a:avLst/>
+          </a:prstGeom>
+          <a:noFill/>
+        </p:spPr>
+        <p:txBody>
+          <a:bodyPr wrap="square" rtlCol="0">
+            <a:spAutoFit/>
+          </a:bodyPr>
+          <a:lstStyle/>
+          <a:p>
+            <a:r>
+              <a:rPr lang="en-US" altLang="ko-KR" dirty="0" smtClean="0"/>
+              <a:t>&lt;</a:t>
+            </a:r>
+            <a:r>
+              <a:rPr lang="ko-KR" altLang="en-US" dirty="0" err="1" smtClean="0"/>
+              <a:t>아두이노</a:t>
+            </a:r>
+            <a:r>
+              <a:rPr lang="en-US" altLang="ko-KR" dirty="0"/>
+              <a:t>&gt;</a:t>
+            </a:r>
+            <a:endParaRPr lang="en-US" altLang="ko-KR" dirty="0" smtClean="0"/>
+          </a:p>
+          <a:p>
+            <a:r>
+              <a:rPr lang="en-US" altLang="ko-KR" dirty="0" err="1" smtClean="0"/>
+              <a:t>Vcc</a:t>
+            </a:r>
+            <a:r>
+              <a:rPr lang="en-US" altLang="ko-KR" dirty="0" smtClean="0"/>
+              <a:t>(5V)   -&gt; Bluetooth </a:t>
+            </a:r>
+            <a:r>
+              <a:rPr lang="ko-KR" altLang="en-US" dirty="0" smtClean="0"/>
+              <a:t>모듈</a:t>
+            </a:r>
+            <a:endParaRPr lang="en-US" altLang="ko-KR" dirty="0" smtClean="0"/>
+          </a:p>
+          <a:p>
+            <a:r>
+              <a:rPr lang="en-US" altLang="ko-KR" dirty="0"/>
+              <a:t>	 </a:t>
+            </a:r>
+            <a:r>
+              <a:rPr lang="en-US" altLang="ko-KR" dirty="0" smtClean="0"/>
+              <a:t>    LED </a:t>
+            </a:r>
+          </a:p>
+          <a:p>
+            <a:r>
+              <a:rPr lang="en-US" altLang="ko-KR" dirty="0" err="1" smtClean="0"/>
+              <a:t>Vcc</a:t>
+            </a:r>
+            <a:r>
+              <a:rPr lang="en-US" altLang="ko-KR" dirty="0" smtClean="0"/>
+              <a:t>(3.3V) -&gt; MP3</a:t>
+            </a:r>
+            <a:r>
+              <a:rPr lang="ko-KR" altLang="en-US" dirty="0" smtClean="0"/>
+              <a:t>모듈</a:t>
+            </a:r>
+            <a:endParaRPr lang="en-US" altLang="ko-KR" dirty="0" smtClean="0"/>
+          </a:p>
+          <a:p>
+            <a:r>
+              <a:rPr lang="en-US" altLang="ko-KR" dirty="0" smtClean="0"/>
+              <a:t>GND2     -&gt; MP3</a:t>
+            </a:r>
+            <a:r>
+              <a:rPr lang="ko-KR" altLang="en-US" dirty="0"/>
+              <a:t> </a:t>
+            </a:r>
+            <a:r>
+              <a:rPr lang="ko-KR" altLang="en-US" dirty="0" smtClean="0"/>
+              <a:t>모듈</a:t>
+            </a:r>
+            <a:endParaRPr lang="en-US" altLang="ko-KR" dirty="0" smtClean="0"/>
+          </a:p>
+          <a:p>
+            <a:r>
+              <a:rPr lang="en-US" altLang="ko-KR" dirty="0" smtClean="0"/>
+              <a:t>GND1     -&gt; Bluetooth </a:t>
+            </a:r>
+            <a:r>
+              <a:rPr lang="ko-KR" altLang="en-US" dirty="0" smtClean="0"/>
+              <a:t>모듈</a:t>
+            </a:r>
+            <a:endParaRPr lang="en-US" altLang="ko-KR" dirty="0" smtClean="0"/>
+          </a:p>
+          <a:p>
+            <a:r>
+              <a:rPr lang="en-US" altLang="ko-KR" dirty="0" smtClean="0"/>
+              <a:t>PWM      -&gt; LED(3</a:t>
+            </a:r>
+            <a:r>
+              <a:rPr lang="ko-KR" altLang="en-US" dirty="0" smtClean="0"/>
+              <a:t>개</a:t>
+            </a:r>
+            <a:r>
+              <a:rPr lang="en-US" altLang="ko-KR" dirty="0" smtClean="0"/>
+              <a:t>) , 		      BUSY(Mp3</a:t>
+            </a:r>
+            <a:r>
+              <a:rPr lang="ko-KR" altLang="en-US" dirty="0" smtClean="0"/>
+              <a:t> </a:t>
+            </a:r>
+            <a:r>
+              <a:rPr lang="en-US" altLang="ko-KR" dirty="0" smtClean="0"/>
+              <a:t>1</a:t>
+            </a:r>
+            <a:r>
+              <a:rPr lang="ko-KR" altLang="en-US" dirty="0" smtClean="0"/>
+              <a:t>개</a:t>
+            </a:r>
+            <a:r>
+              <a:rPr lang="en-US" altLang="ko-KR" dirty="0" smtClean="0"/>
+              <a:t>)</a:t>
+            </a:r>
+          </a:p>
+          <a:p>
+            <a:r>
+              <a:rPr lang="ko-KR" altLang="en-US" dirty="0" smtClean="0"/>
+              <a:t>디지털 핀 </a:t>
+            </a:r>
+            <a:r>
+              <a:rPr lang="en-US" altLang="ko-KR" dirty="0" smtClean="0"/>
+              <a:t>-&gt; MP3 </a:t>
+            </a:r>
+            <a:r>
+              <a:rPr lang="ko-KR" altLang="en-US" dirty="0" smtClean="0"/>
+              <a:t>모듈</a:t>
+            </a:r>
+            <a:r>
+              <a:rPr lang="en-US" altLang="ko-KR" dirty="0" smtClean="0"/>
+              <a:t>(2</a:t>
+            </a:r>
+            <a:r>
+              <a:rPr lang="ko-KR" altLang="en-US" dirty="0" smtClean="0"/>
+              <a:t>개</a:t>
+            </a:r>
+            <a:r>
+              <a:rPr lang="en-US" altLang="ko-KR" dirty="0" smtClean="0"/>
+              <a:t>)</a:t>
+            </a:r>
+          </a:p>
+          <a:p>
+            <a:r>
+              <a:rPr lang="en-US" altLang="ko-KR" dirty="0"/>
+              <a:t>	</a:t>
+            </a:r>
+            <a:r>
+              <a:rPr lang="en-US" altLang="ko-KR" dirty="0" smtClean="0"/>
+              <a:t>      Bluetooth</a:t>
+            </a:r>
+            <a:r>
+              <a:rPr lang="ko-KR" altLang="en-US" dirty="0" smtClean="0"/>
+              <a:t>모듈</a:t>
+            </a:r>
+            <a:r>
+              <a:rPr lang="en-US" altLang="ko-KR" dirty="0" smtClean="0"/>
+              <a:t>(2</a:t>
+            </a:r>
+            <a:r>
+              <a:rPr lang="ko-KR" altLang="en-US" dirty="0" smtClean="0"/>
+              <a:t>개</a:t>
+            </a:r>
+            <a:r>
+              <a:rPr lang="en-US" altLang="ko-KR" dirty="0" smtClean="0"/>
+              <a:t>)</a:t>
+            </a:r>
+          </a:p>
+          <a:p>
+            <a:endParaRPr lang="ko-KR" altLang="en-US" dirty="0"/>
+          </a:p>
+        </p:txBody>
+      </p:sp>
       <p:cxnSp>
         <p:nvCxnSpPr>
-          <p:cNvPr id="10" name="직선 화살표 연결선 9"/>
-          <p:cNvCxnSpPr/>
+          <p:cNvPr id="3" name="직선 화살표 연결선 2"/>
+          <p:cNvCxnSpPr>
+            <a:endCxn id="8" idx="3"/>
+          </p:cNvCxnSpPr>
           <p:nvPr/>
         </p:nvCxnSpPr>
         <p:spPr>
-          <a:xfrm flipV="1">
-            <a:off x="4315996" y="2657140"/>
-            <a:ext cx="1506578" cy="1305540"/>
+          <a:xfrm flipH="1">
+            <a:off x="4315996" y="2614863"/>
+            <a:ext cx="1635625" cy="1347817"/>
           </a:xfrm>
           <a:prstGeom prst="straightConnector1">
             <a:avLst/>
@@ -3665,240 +3856,6 @@
           </a:fontRef>
         </p:style>
       </p:cxnSp>
-      <p:sp>
-        <p:nvSpPr>
-          <p:cNvPr id="12" name="TextBox 11"/>
-          <p:cNvSpPr txBox="1"/>
-          <p:nvPr/>
-        </p:nvSpPr>
-        <p:spPr>
-          <a:xfrm>
-            <a:off x="8462399" y="3434042"/>
-            <a:ext cx="3586167" cy="3139321"/>
-          </a:xfrm>
-          <a:prstGeom prst="rect">
-            <a:avLst/>
-          </a:prstGeom>
-          <a:noFill/>
-        </p:spPr>
-        <p:txBody>
-          <a:bodyPr wrap="square" rtlCol="0">
-            <a:spAutoFit/>
-          </a:bodyPr>
-          <a:lstStyle/>
-          <a:p>
-            <a:r>
-              <a:rPr lang="en-US" altLang="ko-KR" dirty="0" smtClean="0"/>
-              <a:t>&lt;</a:t>
-            </a:r>
-            <a:r>
-              <a:rPr lang="ko-KR" altLang="en-US" dirty="0" err="1" smtClean="0"/>
-              <a:t>아두이노</a:t>
-            </a:r>
-            <a:r>
-              <a:rPr lang="en-US" altLang="ko-KR" dirty="0"/>
-              <a:t>&gt;</a:t>
-            </a:r>
-            <a:endParaRPr lang="en-US" altLang="ko-KR" dirty="0" smtClean="0"/>
-          </a:p>
-          <a:p>
-            <a:r>
-              <a:rPr lang="en-US" altLang="ko-KR" dirty="0" err="1" smtClean="0"/>
-              <a:t>Vcc</a:t>
-            </a:r>
-            <a:r>
-              <a:rPr lang="en-US" altLang="ko-KR" dirty="0" smtClean="0"/>
-              <a:t>(5V)   -&gt; </a:t>
-            </a:r>
-            <a:r>
-              <a:rPr lang="en-US" altLang="ko-KR" dirty="0" smtClean="0"/>
-              <a:t>Bluetooth </a:t>
-            </a:r>
-            <a:r>
-              <a:rPr lang="ko-KR" altLang="en-US" dirty="0" smtClean="0"/>
-              <a:t>모듈</a:t>
-            </a:r>
-            <a:endParaRPr lang="en-US" altLang="ko-KR" dirty="0" smtClean="0"/>
-          </a:p>
-          <a:p>
-            <a:r>
-              <a:rPr lang="en-US" altLang="ko-KR" dirty="0"/>
-              <a:t>	 </a:t>
-            </a:r>
-            <a:r>
-              <a:rPr lang="en-US" altLang="ko-KR" dirty="0" smtClean="0"/>
-              <a:t>    LED </a:t>
-            </a:r>
-            <a:endParaRPr lang="en-US" altLang="ko-KR" dirty="0" smtClean="0"/>
-          </a:p>
-          <a:p>
-            <a:r>
-              <a:rPr lang="en-US" altLang="ko-KR" dirty="0" err="1" smtClean="0"/>
-              <a:t>Vcc</a:t>
-            </a:r>
-            <a:r>
-              <a:rPr lang="en-US" altLang="ko-KR" dirty="0" smtClean="0"/>
-              <a:t>(3.3V) -&gt; MP3</a:t>
-            </a:r>
-            <a:r>
-              <a:rPr lang="ko-KR" altLang="en-US" dirty="0" smtClean="0"/>
-              <a:t>모듈</a:t>
-            </a:r>
-            <a:endParaRPr lang="en-US" altLang="ko-KR" dirty="0" smtClean="0"/>
-          </a:p>
-          <a:p>
-            <a:r>
-              <a:rPr lang="en-US" altLang="ko-KR" dirty="0" smtClean="0"/>
-              <a:t>GND2     </a:t>
-            </a:r>
-            <a:r>
-              <a:rPr lang="en-US" altLang="ko-KR" dirty="0" smtClean="0"/>
-              <a:t>-&gt; MP3</a:t>
-            </a:r>
-            <a:r>
-              <a:rPr lang="ko-KR" altLang="en-US" dirty="0"/>
-              <a:t> </a:t>
-            </a:r>
-            <a:r>
-              <a:rPr lang="ko-KR" altLang="en-US" dirty="0" smtClean="0"/>
-              <a:t>모듈</a:t>
-            </a:r>
-            <a:endParaRPr lang="en-US" altLang="ko-KR" dirty="0" smtClean="0"/>
-          </a:p>
-          <a:p>
-            <a:r>
-              <a:rPr lang="en-US" altLang="ko-KR" dirty="0" smtClean="0"/>
-              <a:t>GND1     -&gt; </a:t>
-            </a:r>
-            <a:r>
-              <a:rPr lang="en-US" altLang="ko-KR" dirty="0" smtClean="0"/>
-              <a:t>Bluetooth </a:t>
-            </a:r>
-            <a:r>
-              <a:rPr lang="ko-KR" altLang="en-US" dirty="0" smtClean="0"/>
-              <a:t>모듈</a:t>
-            </a:r>
-            <a:endParaRPr lang="en-US" altLang="ko-KR" dirty="0" smtClean="0"/>
-          </a:p>
-          <a:p>
-            <a:r>
-              <a:rPr lang="en-US" altLang="ko-KR" dirty="0" smtClean="0"/>
-              <a:t>PWM     </a:t>
-            </a:r>
-            <a:r>
-              <a:rPr lang="en-US" altLang="ko-KR" dirty="0" smtClean="0"/>
-              <a:t> -&gt; </a:t>
-            </a:r>
-            <a:r>
-              <a:rPr lang="en-US" altLang="ko-KR" dirty="0" smtClean="0"/>
-              <a:t>LED(3</a:t>
-            </a:r>
-            <a:r>
-              <a:rPr lang="ko-KR" altLang="en-US" dirty="0" smtClean="0"/>
-              <a:t>개</a:t>
-            </a:r>
-            <a:r>
-              <a:rPr lang="en-US" altLang="ko-KR" dirty="0" smtClean="0"/>
-              <a:t>) , 		  </a:t>
-            </a:r>
-            <a:r>
-              <a:rPr lang="en-US" altLang="ko-KR" dirty="0" smtClean="0"/>
-              <a:t>    </a:t>
-            </a:r>
-            <a:r>
-              <a:rPr lang="en-US" altLang="ko-KR" dirty="0" smtClean="0"/>
-              <a:t>BUSY(Mp3</a:t>
-            </a:r>
-            <a:r>
-              <a:rPr lang="ko-KR" altLang="en-US" dirty="0" smtClean="0"/>
-              <a:t> </a:t>
-            </a:r>
-            <a:r>
-              <a:rPr lang="en-US" altLang="ko-KR" dirty="0" smtClean="0"/>
-              <a:t>1</a:t>
-            </a:r>
-            <a:r>
-              <a:rPr lang="ko-KR" altLang="en-US" dirty="0" smtClean="0"/>
-              <a:t>개</a:t>
-            </a:r>
-            <a:r>
-              <a:rPr lang="en-US" altLang="ko-KR" dirty="0" smtClean="0"/>
-              <a:t>)</a:t>
-            </a:r>
-          </a:p>
-          <a:p>
-            <a:r>
-              <a:rPr lang="ko-KR" altLang="en-US" dirty="0" smtClean="0"/>
-              <a:t>디지털 </a:t>
-            </a:r>
-            <a:r>
-              <a:rPr lang="ko-KR" altLang="en-US" dirty="0" smtClean="0"/>
-              <a:t>핀 </a:t>
-            </a:r>
-            <a:r>
-              <a:rPr lang="en-US" altLang="ko-KR" dirty="0" smtClean="0"/>
-              <a:t>-&gt; </a:t>
-            </a:r>
-            <a:r>
-              <a:rPr lang="en-US" altLang="ko-KR" dirty="0" smtClean="0"/>
-              <a:t>MP3 </a:t>
-            </a:r>
-            <a:r>
-              <a:rPr lang="ko-KR" altLang="en-US" dirty="0" smtClean="0"/>
-              <a:t>모듈</a:t>
-            </a:r>
-            <a:r>
-              <a:rPr lang="en-US" altLang="ko-KR" dirty="0" smtClean="0"/>
-              <a:t>(2</a:t>
-            </a:r>
-            <a:r>
-              <a:rPr lang="ko-KR" altLang="en-US" dirty="0" smtClean="0"/>
-              <a:t>개</a:t>
-            </a:r>
-            <a:r>
-              <a:rPr lang="en-US" altLang="ko-KR" dirty="0" smtClean="0"/>
-              <a:t>)</a:t>
-            </a:r>
-          </a:p>
-          <a:p>
-            <a:r>
-              <a:rPr lang="en-US" altLang="ko-KR" dirty="0"/>
-              <a:t>	</a:t>
-            </a:r>
-            <a:r>
-              <a:rPr lang="en-US" altLang="ko-KR" dirty="0" smtClean="0"/>
-              <a:t>   </a:t>
-            </a:r>
-            <a:r>
-              <a:rPr lang="en-US" altLang="ko-KR" dirty="0" smtClean="0"/>
-              <a:t>   </a:t>
-            </a:r>
-            <a:r>
-              <a:rPr lang="en-US" altLang="ko-KR" dirty="0" smtClean="0"/>
-              <a:t>Bluetooth</a:t>
-            </a:r>
-            <a:r>
-              <a:rPr lang="ko-KR" altLang="en-US" dirty="0" smtClean="0"/>
-              <a:t>모듈</a:t>
-            </a:r>
-            <a:r>
-              <a:rPr lang="en-US" altLang="ko-KR" dirty="0" smtClean="0"/>
-              <a:t>(2</a:t>
-            </a:r>
-            <a:r>
-              <a:rPr lang="ko-KR" altLang="en-US" dirty="0" smtClean="0"/>
-              <a:t>개</a:t>
-            </a:r>
-            <a:r>
-              <a:rPr lang="en-US" altLang="ko-KR" dirty="0" smtClean="0"/>
-              <a:t>)</a:t>
-            </a:r>
-          </a:p>
-          <a:p>
-            <a:endParaRPr lang="ko-KR" altLang="en-US" dirty="0"/>
-          </a:p>
-        </p:txBody>
-      </p:sp>
     </p:spTree>
     <p:extLst>
       <p:ext uri="{BB962C8B-B14F-4D97-AF65-F5344CB8AC3E}">
